--- a/Final Presentation/BATTLESHIP GAME FINAL PRESENTATION.pptx
+++ b/Final Presentation/BATTLESHIP GAME FINAL PRESENTATION.pptx
@@ -3522,18 +3522,18 @@
           <a:bodyPr/>
           <a:lstStyle/>
           <a:p>
-            <a:pPr eaLnBrk="1" hangingPunct="1">
+            <a:pPr algn="ctr" eaLnBrk="1" hangingPunct="1">
               <a:defRPr/>
             </a:pPr>
             <a:r>
-              <a:rPr lang="en-US" dirty="0">
+              <a:rPr lang="en-US" sz="3200" dirty="0">
                 <a:solidFill>
                   <a:schemeClr val="tx1">
                     <a:lumMod val="50000"/>
                   </a:schemeClr>
                 </a:solidFill>
               </a:rPr>
-              <a:t>ACTIVITY DIAGRAM</a:t>
+              <a:t>USE CASE DIAGRAM</a:t>
             </a:r>
           </a:p>
         </p:txBody>

--- a/Final Presentation/BATTLESHIP GAME FINAL PRESENTATION.pptx
+++ b/Final Presentation/BATTLESHIP GAME FINAL PRESENTATION.pptx
@@ -5,10 +5,10 @@
     <p:sldMasterId id="2147483648" r:id="rId1"/>
   </p:sldMasterIdLst>
   <p:notesMasterIdLst>
-    <p:notesMasterId r:id="rId12"/>
+    <p:notesMasterId r:id="rId13"/>
   </p:notesMasterIdLst>
   <p:handoutMasterIdLst>
-    <p:handoutMasterId r:id="rId13"/>
+    <p:handoutMasterId r:id="rId14"/>
   </p:handoutMasterIdLst>
   <p:sldIdLst>
     <p:sldId id="256" r:id="rId2"/>
@@ -20,7 +20,8 @@
     <p:sldId id="263" r:id="rId8"/>
     <p:sldId id="262" r:id="rId9"/>
     <p:sldId id="264" r:id="rId10"/>
-    <p:sldId id="265" r:id="rId11"/>
+    <p:sldId id="266" r:id="rId11"/>
+    <p:sldId id="265" r:id="rId12"/>
   </p:sldIdLst>
   <p:sldSz cx="9144000" cy="6858000" type="screen4x3"/>
   <p:notesSz cx="6858000" cy="9144000"/>
@@ -3380,6 +3381,142 @@
           <p:cNvPr id="2" name="Title 1">
             <a:extLst>
               <a:ext uri="{FF2B5EF4-FFF2-40B4-BE49-F238E27FC236}">
+                <a16:creationId xmlns:a16="http://schemas.microsoft.com/office/drawing/2014/main" id="{F5DBC761-7EAD-4188-8C5F-10F6AA85F48D}"/>
+              </a:ext>
+            </a:extLst>
+          </p:cNvPr>
+          <p:cNvSpPr>
+            <a:spLocks noGrp="1"/>
+          </p:cNvSpPr>
+          <p:nvPr>
+            <p:ph type="title"/>
+          </p:nvPr>
+        </p:nvSpPr>
+        <p:spPr>
+          <a:xfrm>
+            <a:off x="651254" y="188640"/>
+            <a:ext cx="6985000" cy="508000"/>
+          </a:xfrm>
+        </p:spPr>
+        <p:txBody>
+          <a:bodyPr/>
+          <a:lstStyle/>
+          <a:p>
+            <a:pPr algn="ctr"/>
+            <a:r>
+              <a:rPr lang="de-DE" sz="2800" dirty="0"/>
+              <a:t>FAULT TOLERANCE</a:t>
+            </a:r>
+          </a:p>
+        </p:txBody>
+      </p:sp>
+      <p:pic>
+        <p:nvPicPr>
+          <p:cNvPr id="5" name="Picture 4" descr="Text&#10;&#10;Description automatically generated">
+            <a:extLst>
+              <a:ext uri="{FF2B5EF4-FFF2-40B4-BE49-F238E27FC236}">
+                <a16:creationId xmlns:a16="http://schemas.microsoft.com/office/drawing/2014/main" id="{E2DDF410-5B51-4CEF-B093-D93EBA798CC5}"/>
+              </a:ext>
+            </a:extLst>
+          </p:cNvPr>
+          <p:cNvPicPr>
+            <a:picLocks noChangeAspect="1"/>
+          </p:cNvPicPr>
+          <p:nvPr/>
+        </p:nvPicPr>
+        <p:blipFill>
+          <a:blip r:embed="rId2">
+            <a:extLst>
+              <a:ext uri="{28A0092B-C50C-407E-A947-70E740481C1C}">
+                <a14:useLocalDpi xmlns:a14="http://schemas.microsoft.com/office/drawing/2010/main" val="0"/>
+              </a:ext>
+            </a:extLst>
+          </a:blip>
+          <a:stretch>
+            <a:fillRect/>
+          </a:stretch>
+        </p:blipFill>
+        <p:spPr>
+          <a:xfrm>
+            <a:off x="180945" y="1052736"/>
+            <a:ext cx="6439458" cy="3779848"/>
+          </a:xfrm>
+          <a:prstGeom prst="rect">
+            <a:avLst/>
+          </a:prstGeom>
+        </p:spPr>
+      </p:pic>
+      <p:pic>
+        <p:nvPicPr>
+          <p:cNvPr id="7" name="Picture 6" descr="A picture containing text, circuit, electronics&#10;&#10;Description automatically generated">
+            <a:extLst>
+              <a:ext uri="{FF2B5EF4-FFF2-40B4-BE49-F238E27FC236}">
+                <a16:creationId xmlns:a16="http://schemas.microsoft.com/office/drawing/2014/main" id="{91971DEE-7391-4F5F-9F29-5A2A8534BA31}"/>
+              </a:ext>
+            </a:extLst>
+          </p:cNvPr>
+          <p:cNvPicPr>
+            <a:picLocks noChangeAspect="1"/>
+          </p:cNvPicPr>
+          <p:nvPr/>
+        </p:nvPicPr>
+        <p:blipFill>
+          <a:blip r:embed="rId3">
+            <a:extLst>
+              <a:ext uri="{28A0092B-C50C-407E-A947-70E740481C1C}">
+                <a14:useLocalDpi xmlns:a14="http://schemas.microsoft.com/office/drawing/2010/main" val="0"/>
+              </a:ext>
+            </a:extLst>
+          </a:blip>
+          <a:stretch>
+            <a:fillRect/>
+          </a:stretch>
+        </p:blipFill>
+        <p:spPr>
+          <a:xfrm>
+            <a:off x="179512" y="5301208"/>
+            <a:ext cx="6847577" cy="1008112"/>
+          </a:xfrm>
+          <a:prstGeom prst="rect">
+            <a:avLst/>
+          </a:prstGeom>
+        </p:spPr>
+      </p:pic>
+    </p:spTree>
+    <p:extLst>
+      <p:ext uri="{BB962C8B-B14F-4D97-AF65-F5344CB8AC3E}">
+        <p14:creationId xmlns:p14="http://schemas.microsoft.com/office/powerpoint/2010/main" val="472444662"/>
+      </p:ext>
+    </p:extLst>
+  </p:cSld>
+  <p:clrMapOvr>
+    <a:masterClrMapping/>
+  </p:clrMapOvr>
+</p:sld>
+</file>
+
+<file path=ppt/slides/slide11.xml><?xml version="1.0" encoding="utf-8"?>
+<p:sld xmlns:a="http://schemas.openxmlformats.org/drawingml/2006/main" xmlns:r="http://schemas.openxmlformats.org/officeDocument/2006/relationships" xmlns:p="http://schemas.openxmlformats.org/presentationml/2006/main">
+  <p:cSld>
+    <p:spTree>
+      <p:nvGrpSpPr>
+        <p:cNvPr id="1" name=""/>
+        <p:cNvGrpSpPr/>
+        <p:nvPr/>
+      </p:nvGrpSpPr>
+      <p:grpSpPr>
+        <a:xfrm>
+          <a:off x="0" y="0"/>
+          <a:ext cx="0" cy="0"/>
+          <a:chOff x="0" y="0"/>
+          <a:chExt cx="0" cy="0"/>
+        </a:xfrm>
+      </p:grpSpPr>
+      <p:sp>
+        <p:nvSpPr>
+          <p:cNvPr id="2" name="Title 1">
+            <a:extLst>
+              <a:ext uri="{FF2B5EF4-FFF2-40B4-BE49-F238E27FC236}">
                 <a16:creationId xmlns:a16="http://schemas.microsoft.com/office/drawing/2014/main" id="{43BAA0F8-685B-4653-ABBB-9E93BD4A119E}"/>
               </a:ext>
             </a:extLst>
@@ -3522,18 +3659,18 @@
           <a:bodyPr/>
           <a:lstStyle/>
           <a:p>
-            <a:pPr algn="ctr" eaLnBrk="1" hangingPunct="1">
+            <a:pPr eaLnBrk="1" hangingPunct="1">
               <a:defRPr/>
             </a:pPr>
             <a:r>
-              <a:rPr lang="en-US" sz="3200" dirty="0">
+              <a:rPr lang="en-US" dirty="0">
                 <a:solidFill>
                   <a:schemeClr val="tx1">
                     <a:lumMod val="50000"/>
                   </a:schemeClr>
                 </a:solidFill>
               </a:rPr>
-              <a:t>USE CASE DIAGRAM</a:t>
+              <a:t>ACTIVITY DIAGRAM</a:t>
             </a:r>
           </a:p>
         </p:txBody>

--- a/Final Presentation/BATTLESHIP GAME FINAL PRESENTATION.pptx
+++ b/Final Presentation/BATTLESHIP GAME FINAL PRESENTATION.pptx
@@ -3404,7 +3404,7 @@
           <a:p>
             <a:pPr algn="ctr"/>
             <a:r>
-              <a:rPr lang="de-DE" sz="2800" dirty="0"/>
+              <a:rPr lang="de-DE" sz="2400" dirty="0"/>
               <a:t>FAULT TOLERANCE</a:t>
             </a:r>
           </a:p>
@@ -3438,8 +3438,8 @@
         </p:blipFill>
         <p:spPr>
           <a:xfrm>
-            <a:off x="180945" y="1052736"/>
-            <a:ext cx="6439458" cy="3779848"/>
+            <a:off x="323527" y="1412776"/>
+            <a:ext cx="6439458" cy="3423752"/>
           </a:xfrm>
           <a:prstGeom prst="rect">
             <a:avLst/>
@@ -3474,7 +3474,7 @@
         </p:blipFill>
         <p:spPr>
           <a:xfrm>
-            <a:off x="179512" y="5301208"/>
+            <a:off x="119468" y="5373216"/>
             <a:ext cx="6847577" cy="1008112"/>
           </a:xfrm>
           <a:prstGeom prst="rect">
@@ -4532,7 +4532,7 @@
         </p:blipFill>
         <p:spPr>
           <a:xfrm>
-            <a:off x="731278" y="1841324"/>
+            <a:off x="395536" y="980728"/>
             <a:ext cx="6492803" cy="2309060"/>
           </a:xfrm>
           <a:prstGeom prst="rect">
@@ -4568,7 +4568,7 @@
         </p:blipFill>
         <p:spPr>
           <a:xfrm>
-            <a:off x="827584" y="4797152"/>
+            <a:off x="467542" y="3641832"/>
             <a:ext cx="6500423" cy="1379340"/>
           </a:xfrm>
           <a:prstGeom prst="rect">
@@ -4590,7 +4590,7 @@
         </p:nvSpPr>
         <p:spPr>
           <a:xfrm>
-            <a:off x="1691680" y="980728"/>
+            <a:off x="1691680" y="370232"/>
             <a:ext cx="4572000" cy="369332"/>
           </a:xfrm>
           <a:prstGeom prst="rect">
@@ -4615,6 +4615,42 @@
           </a:p>
         </p:txBody>
       </p:sp>
+      <p:pic>
+        <p:nvPicPr>
+          <p:cNvPr id="3" name="Picture 2" descr="Text&#10;&#10;Description automatically generated with medium confidence">
+            <a:extLst>
+              <a:ext uri="{FF2B5EF4-FFF2-40B4-BE49-F238E27FC236}">
+                <a16:creationId xmlns:a16="http://schemas.microsoft.com/office/drawing/2014/main" id="{AF85DA65-32E8-442D-B411-94DECEA53C8C}"/>
+              </a:ext>
+            </a:extLst>
+          </p:cNvPr>
+          <p:cNvPicPr>
+            <a:picLocks noChangeAspect="1"/>
+          </p:cNvPicPr>
+          <p:nvPr/>
+        </p:nvPicPr>
+        <p:blipFill>
+          <a:blip r:embed="rId4">
+            <a:extLst>
+              <a:ext uri="{28A0092B-C50C-407E-A947-70E740481C1C}">
+                <a14:useLocalDpi xmlns:a14="http://schemas.microsoft.com/office/drawing/2010/main" val="0"/>
+              </a:ext>
+            </a:extLst>
+          </a:blip>
+          <a:stretch>
+            <a:fillRect/>
+          </a:stretch>
+        </p:blipFill>
+        <p:spPr>
+          <a:xfrm>
+            <a:off x="499891" y="5373216"/>
+            <a:ext cx="6363251" cy="1216587"/>
+          </a:xfrm>
+          <a:prstGeom prst="rect">
+            <a:avLst/>
+          </a:prstGeom>
+        </p:spPr>
+      </p:pic>
     </p:spTree>
     <p:extLst>
       <p:ext uri="{BB962C8B-B14F-4D97-AF65-F5344CB8AC3E}">
